--- a/db_powerpoint.pptx
+++ b/db_powerpoint.pptx
@@ -7,10 +7,11 @@
   <p:sldIdLst>
     <p:sldId id="256" r:id="rId2"/>
     <p:sldId id="257" r:id="rId3"/>
-    <p:sldId id="258" r:id="rId4"/>
-    <p:sldId id="260" r:id="rId5"/>
-    <p:sldId id="261" r:id="rId6"/>
-    <p:sldId id="259" r:id="rId7"/>
+    <p:sldId id="262" r:id="rId4"/>
+    <p:sldId id="258" r:id="rId5"/>
+    <p:sldId id="260" r:id="rId6"/>
+    <p:sldId id="261" r:id="rId7"/>
+    <p:sldId id="259" r:id="rId8"/>
   </p:sldIdLst>
   <p:sldSz cx="12192000" cy="6858000"/>
   <p:notesSz cx="6858000" cy="9144000"/>
@@ -287,7 +288,7 @@
           <a:p>
             <a:fld id="{48A87A34-81AB-432B-8DAE-1953F412C126}" type="datetimeFigureOut">
               <a:rPr lang="en-US" dirty="0"/>
-              <a:t>7/18/2016</a:t>
+              <a:t>7/18/16</a:t>
             </a:fld>
             <a:endParaRPr lang="en-US" dirty="0"/>
           </a:p>
@@ -549,7 +550,7 @@
           <a:p>
             <a:fld id="{48A87A34-81AB-432B-8DAE-1953F412C126}" type="datetimeFigureOut">
               <a:rPr lang="en-US" dirty="0"/>
-              <a:t>7/18/2016</a:t>
+              <a:t>7/18/16</a:t>
             </a:fld>
             <a:endParaRPr lang="en-US" dirty="0"/>
           </a:p>
@@ -776,7 +777,7 @@
             <a:fld id="{48A87A34-81AB-432B-8DAE-1953F412C126}" type="datetimeFigureOut">
               <a:rPr lang="en-US" dirty="0"/>
               <a:pPr/>
-              <a:t>7/18/2016</a:t>
+              <a:t>7/18/16</a:t>
             </a:fld>
             <a:endParaRPr lang="en-US" dirty="0"/>
           </a:p>
@@ -1082,7 +1083,7 @@
             <a:fld id="{48A87A34-81AB-432B-8DAE-1953F412C126}" type="datetimeFigureOut">
               <a:rPr lang="en-US" dirty="0"/>
               <a:pPr/>
-              <a:t>7/18/2016</a:t>
+              <a:t>7/18/16</a:t>
             </a:fld>
             <a:endParaRPr lang="en-US" dirty="0"/>
           </a:p>
@@ -1551,7 +1552,7 @@
             <a:fld id="{48A87A34-81AB-432B-8DAE-1953F412C126}" type="datetimeFigureOut">
               <a:rPr lang="en-US" dirty="0"/>
               <a:pPr/>
-              <a:t>7/18/2016</a:t>
+              <a:t>7/18/16</a:t>
             </a:fld>
             <a:endParaRPr lang="en-US" dirty="0"/>
           </a:p>
@@ -2093,7 +2094,7 @@
           <a:p>
             <a:fld id="{48A87A34-81AB-432B-8DAE-1953F412C126}" type="datetimeFigureOut">
               <a:rPr lang="en-US" dirty="0"/>
-              <a:t>7/18/2016</a:t>
+              <a:t>7/18/16</a:t>
             </a:fld>
             <a:endParaRPr lang="en-US" dirty="0"/>
           </a:p>
@@ -2862,7 +2863,7 @@
           <a:p>
             <a:fld id="{48A87A34-81AB-432B-8DAE-1953F412C126}" type="datetimeFigureOut">
               <a:rPr lang="en-US" dirty="0"/>
-              <a:t>7/18/2016</a:t>
+              <a:t>7/18/16</a:t>
             </a:fld>
             <a:endParaRPr lang="en-US" dirty="0"/>
           </a:p>
@@ -3032,7 +3033,7 @@
           <a:p>
             <a:fld id="{48A87A34-81AB-432B-8DAE-1953F412C126}" type="datetimeFigureOut">
               <a:rPr lang="en-US" dirty="0"/>
-              <a:t>7/18/2016</a:t>
+              <a:t>7/18/16</a:t>
             </a:fld>
             <a:endParaRPr lang="en-US" dirty="0"/>
           </a:p>
@@ -3251,7 +3252,7 @@
             <a:fld id="{48A87A34-81AB-432B-8DAE-1953F412C126}" type="datetimeFigureOut">
               <a:rPr lang="en-US" dirty="0"/>
               <a:pPr/>
-              <a:t>7/18/2016</a:t>
+              <a:t>7/18/16</a:t>
             </a:fld>
             <a:endParaRPr lang="en-US" dirty="0"/>
           </a:p>
@@ -3426,7 +3427,7 @@
           <a:p>
             <a:fld id="{48A87A34-81AB-432B-8DAE-1953F412C126}" type="datetimeFigureOut">
               <a:rPr lang="en-US" dirty="0"/>
-              <a:t>7/18/2016</a:t>
+              <a:t>7/18/16</a:t>
             </a:fld>
             <a:endParaRPr lang="en-US" dirty="0"/>
           </a:p>
@@ -3711,7 +3712,7 @@
             <a:fld id="{48A87A34-81AB-432B-8DAE-1953F412C126}" type="datetimeFigureOut">
               <a:rPr lang="en-US" dirty="0"/>
               <a:pPr/>
-              <a:t>7/18/2016</a:t>
+              <a:t>7/18/16</a:t>
             </a:fld>
             <a:endParaRPr lang="en-US" dirty="0"/>
           </a:p>
@@ -3948,7 +3949,7 @@
           <a:p>
             <a:fld id="{48A87A34-81AB-432B-8DAE-1953F412C126}" type="datetimeFigureOut">
               <a:rPr lang="en-US" dirty="0"/>
-              <a:t>7/18/2016</a:t>
+              <a:t>7/18/16</a:t>
             </a:fld>
             <a:endParaRPr lang="en-US" dirty="0"/>
           </a:p>
@@ -4322,7 +4323,7 @@
           <a:p>
             <a:fld id="{48A87A34-81AB-432B-8DAE-1953F412C126}" type="datetimeFigureOut">
               <a:rPr lang="en-US" dirty="0"/>
-              <a:t>7/18/2016</a:t>
+              <a:t>7/18/16</a:t>
             </a:fld>
             <a:endParaRPr lang="en-US" dirty="0"/>
           </a:p>
@@ -4435,7 +4436,7 @@
           <a:p>
             <a:fld id="{48A87A34-81AB-432B-8DAE-1953F412C126}" type="datetimeFigureOut">
               <a:rPr lang="en-US" dirty="0"/>
-              <a:t>7/18/2016</a:t>
+              <a:t>7/18/16</a:t>
             </a:fld>
             <a:endParaRPr lang="en-US" dirty="0"/>
           </a:p>
@@ -4525,7 +4526,7 @@
           <a:p>
             <a:fld id="{48A87A34-81AB-432B-8DAE-1953F412C126}" type="datetimeFigureOut">
               <a:rPr lang="en-US" dirty="0"/>
-              <a:t>7/18/2016</a:t>
+              <a:t>7/18/16</a:t>
             </a:fld>
             <a:endParaRPr lang="en-US" dirty="0"/>
           </a:p>
@@ -4769,7 +4770,7 @@
           <a:p>
             <a:fld id="{48A87A34-81AB-432B-8DAE-1953F412C126}" type="datetimeFigureOut">
               <a:rPr lang="en-US" dirty="0"/>
-              <a:t>7/18/2016</a:t>
+              <a:t>7/18/16</a:t>
             </a:fld>
             <a:endParaRPr lang="en-US" dirty="0"/>
           </a:p>
@@ -5021,7 +5022,7 @@
           <a:p>
             <a:fld id="{48A87A34-81AB-432B-8DAE-1953F412C126}" type="datetimeFigureOut">
               <a:rPr lang="en-US" dirty="0"/>
-              <a:t>7/18/2016</a:t>
+              <a:t>7/18/16</a:t>
             </a:fld>
             <a:endParaRPr lang="en-US" dirty="0"/>
           </a:p>
@@ -5260,7 +5261,7 @@
             <a:fld id="{48A87A34-81AB-432B-8DAE-1953F412C126}" type="datetimeFigureOut">
               <a:rPr lang="en-US" dirty="0"/>
               <a:pPr/>
-              <a:t>7/18/2016</a:t>
+              <a:t>7/18/16</a:t>
             </a:fld>
             <a:endParaRPr lang="en-US" dirty="0"/>
           </a:p>
@@ -5872,14 +5873,19 @@
             <p:ph type="title"/>
           </p:nvPr>
         </p:nvSpPr>
-        <p:spPr/>
+        <p:spPr>
+          <a:xfrm>
+            <a:off x="2895600" y="0"/>
+            <a:ext cx="8610600" cy="1293028"/>
+          </a:xfrm>
+        </p:spPr>
         <p:txBody>
           <a:bodyPr/>
           <a:lstStyle/>
           <a:p>
             <a:r>
               <a:rPr lang="en-US" dirty="0" smtClean="0"/>
-              <a:t>DB Tables</a:t>
+              <a:t>SQL ER Diagram</a:t>
             </a:r>
             <a:endParaRPr lang="en-US" dirty="0"/>
           </a:p>
@@ -5889,39 +5895,35 @@
         <p:nvPicPr>
           <p:cNvPr id="4" name="Content Placeholder 3"/>
           <p:cNvPicPr>
-            <a:picLocks noGrp="1"/>
+            <a:picLocks noGrp="1" noChangeAspect="1"/>
           </p:cNvPicPr>
           <p:nvPr>
             <p:ph idx="1"/>
           </p:nvPr>
         </p:nvPicPr>
-        <p:blipFill rotWithShape="1">
-          <a:blip r:embed="rId2"/>
-          <a:srcRect l="17842" t="8978" r="17949" b="10603"/>
-          <a:stretch/>
+        <p:blipFill>
+          <a:blip r:embed="rId2">
+            <a:extLst>
+              <a:ext uri="{28A0092B-C50C-407E-A947-70E740481C1C}">
+                <a14:useLocalDpi xmlns:a14="http://schemas.microsoft.com/office/drawing/2010/main" val="0"/>
+              </a:ext>
+            </a:extLst>
+          </a:blip>
+          <a:stretch>
+            <a:fillRect/>
+          </a:stretch>
         </p:blipFill>
-        <p:spPr bwMode="auto">
-          <a:xfrm>
-            <a:off x="493161" y="287677"/>
-            <a:ext cx="7109715" cy="5930562"/>
-          </a:xfrm>
-          <a:prstGeom prst="rect">
-            <a:avLst/>
-          </a:prstGeom>
-          <a:ln>
-            <a:noFill/>
-          </a:ln>
-          <a:extLst>
-            <a:ext uri="{53640926-AAD7-44D8-BBD7-CCE9431645EC}">
-              <a14:shadowObscured xmlns:a14="http://schemas.microsoft.com/office/drawing/2010/main"/>
-            </a:ext>
-          </a:extLst>
+        <p:spPr>
+          <a:xfrm>
+            <a:off x="866274" y="1046747"/>
+            <a:ext cx="10639926" cy="5171492"/>
+          </a:xfrm>
         </p:spPr>
       </p:pic>
     </p:spTree>
     <p:extLst>
       <p:ext uri="{BB962C8B-B14F-4D97-AF65-F5344CB8AC3E}">
-        <p14:creationId xmlns:p14="http://schemas.microsoft.com/office/powerpoint/2010/main" val="2117687824"/>
+        <p14:creationId xmlns:p14="http://schemas.microsoft.com/office/powerpoint/2010/main" val="6887345"/>
       </p:ext>
     </p:extLst>
   </p:cSld>
@@ -5948,21 +5950,48 @@
           <a:chExt cx="0" cy="0"/>
         </a:xfrm>
       </p:grpSpPr>
+      <p:sp>
+        <p:nvSpPr>
+          <p:cNvPr id="2" name="Title 1"/>
+          <p:cNvSpPr>
+            <a:spLocks noGrp="1"/>
+          </p:cNvSpPr>
+          <p:nvPr>
+            <p:ph type="title"/>
+          </p:nvPr>
+        </p:nvSpPr>
+        <p:spPr/>
+        <p:txBody>
+          <a:bodyPr/>
+          <a:lstStyle/>
+          <a:p>
+            <a:r>
+              <a:rPr lang="en-US" dirty="0" smtClean="0"/>
+              <a:t>DB Tables</a:t>
+            </a:r>
+            <a:endParaRPr lang="en-US" dirty="0"/>
+          </a:p>
+        </p:txBody>
+      </p:sp>
       <p:pic>
         <p:nvPicPr>
-          <p:cNvPr id="2" name="Picture 1"/>
-          <p:cNvPicPr/>
-          <p:nvPr/>
+          <p:cNvPr id="4" name="Content Placeholder 3"/>
+          <p:cNvPicPr>
+            <a:picLocks noGrp="1"/>
+          </p:cNvPicPr>
+          <p:nvPr>
+            <p:ph idx="1"/>
+          </p:nvPr>
         </p:nvPicPr>
         <p:blipFill rotWithShape="1">
           <a:blip r:embed="rId2"/>
-          <a:srcRect l="18376" t="8548" r="18590" b="10730"/>
+          <a:srcRect l="17842" t="8978" r="17949" b="10603"/>
           <a:stretch/>
         </p:blipFill>
         <p:spPr bwMode="auto">
           <a:xfrm>
-            <a:off x="297952" y="246580"/>
-            <a:ext cx="5332286" cy="6082300"/>
+            <a:off x="493161" y="287677"/>
+            <a:ext cx="7109715" cy="5930562"/>
           </a:xfrm>
           <a:prstGeom prst="rect">
             <a:avLst/>
@@ -5977,68 +6006,10 @@
           </a:extLst>
         </p:spPr>
       </p:pic>
-      <p:pic>
-        <p:nvPicPr>
-          <p:cNvPr id="3" name="Picture 2"/>
-          <p:cNvPicPr/>
-          <p:nvPr/>
-        </p:nvPicPr>
-        <p:blipFill rotWithShape="1">
-          <a:blip r:embed="rId3"/>
-          <a:srcRect l="18590" t="9306" r="17522" b="21938"/>
-          <a:stretch/>
-        </p:blipFill>
-        <p:spPr bwMode="auto">
-          <a:xfrm>
-            <a:off x="5763802" y="246578"/>
-            <a:ext cx="6133672" cy="3328827"/>
-          </a:xfrm>
-          <a:prstGeom prst="rect">
-            <a:avLst/>
-          </a:prstGeom>
-          <a:ln>
-            <a:noFill/>
-          </a:ln>
-          <a:extLst>
-            <a:ext uri="{53640926-AAD7-44D8-BBD7-CCE9431645EC}">
-              <a14:shadowObscured xmlns:a14="http://schemas.microsoft.com/office/drawing/2010/main"/>
-            </a:ext>
-          </a:extLst>
-        </p:spPr>
-      </p:pic>
-      <p:pic>
-        <p:nvPicPr>
-          <p:cNvPr id="4" name="Picture 3"/>
-          <p:cNvPicPr/>
-          <p:nvPr/>
-        </p:nvPicPr>
-        <p:blipFill rotWithShape="1">
-          <a:blip r:embed="rId4"/>
-          <a:srcRect l="18180" t="8713" r="19466" b="28788"/>
-          <a:stretch/>
-        </p:blipFill>
-        <p:spPr bwMode="auto">
-          <a:xfrm>
-            <a:off x="5763802" y="3575405"/>
-            <a:ext cx="6133672" cy="2753475"/>
-          </a:xfrm>
-          <a:prstGeom prst="rect">
-            <a:avLst/>
-          </a:prstGeom>
-          <a:ln>
-            <a:noFill/>
-          </a:ln>
-          <a:extLst>
-            <a:ext uri="{53640926-AAD7-44D8-BBD7-CCE9431645EC}">
-              <a14:shadowObscured xmlns:a14="http://schemas.microsoft.com/office/drawing/2010/main"/>
-            </a:ext>
-          </a:extLst>
-        </p:spPr>
-      </p:pic>
     </p:spTree>
     <p:extLst>
       <p:ext uri="{BB962C8B-B14F-4D97-AF65-F5344CB8AC3E}">
-        <p14:creationId xmlns:p14="http://schemas.microsoft.com/office/powerpoint/2010/main" val="3332079258"/>
+        <p14:creationId xmlns:p14="http://schemas.microsoft.com/office/powerpoint/2010/main" val="2117687824"/>
       </p:ext>
     </p:extLst>
   </p:cSld>
@@ -6073,6 +6044,123 @@
         </p:nvPicPr>
         <p:blipFill rotWithShape="1">
           <a:blip r:embed="rId2"/>
+          <a:srcRect l="18376" t="8548" r="18590" b="10730"/>
+          <a:stretch/>
+        </p:blipFill>
+        <p:spPr bwMode="auto">
+          <a:xfrm>
+            <a:off x="297952" y="246580"/>
+            <a:ext cx="5332286" cy="6082300"/>
+          </a:xfrm>
+          <a:prstGeom prst="rect">
+            <a:avLst/>
+          </a:prstGeom>
+          <a:ln>
+            <a:noFill/>
+          </a:ln>
+          <a:extLst>
+            <a:ext uri="{53640926-AAD7-44D8-BBD7-CCE9431645EC}">
+              <a14:shadowObscured xmlns:a14="http://schemas.microsoft.com/office/drawing/2010/main"/>
+            </a:ext>
+          </a:extLst>
+        </p:spPr>
+      </p:pic>
+      <p:pic>
+        <p:nvPicPr>
+          <p:cNvPr id="3" name="Picture 2"/>
+          <p:cNvPicPr/>
+          <p:nvPr/>
+        </p:nvPicPr>
+        <p:blipFill rotWithShape="1">
+          <a:blip r:embed="rId3"/>
+          <a:srcRect l="18590" t="9306" r="17522" b="21938"/>
+          <a:stretch/>
+        </p:blipFill>
+        <p:spPr bwMode="auto">
+          <a:xfrm>
+            <a:off x="5763802" y="246578"/>
+            <a:ext cx="6133672" cy="3328827"/>
+          </a:xfrm>
+          <a:prstGeom prst="rect">
+            <a:avLst/>
+          </a:prstGeom>
+          <a:ln>
+            <a:noFill/>
+          </a:ln>
+          <a:extLst>
+            <a:ext uri="{53640926-AAD7-44D8-BBD7-CCE9431645EC}">
+              <a14:shadowObscured xmlns:a14="http://schemas.microsoft.com/office/drawing/2010/main"/>
+            </a:ext>
+          </a:extLst>
+        </p:spPr>
+      </p:pic>
+      <p:pic>
+        <p:nvPicPr>
+          <p:cNvPr id="4" name="Picture 3"/>
+          <p:cNvPicPr/>
+          <p:nvPr/>
+        </p:nvPicPr>
+        <p:blipFill rotWithShape="1">
+          <a:blip r:embed="rId4"/>
+          <a:srcRect l="18180" t="8713" r="19466" b="28788"/>
+          <a:stretch/>
+        </p:blipFill>
+        <p:spPr bwMode="auto">
+          <a:xfrm>
+            <a:off x="5763802" y="3575405"/>
+            <a:ext cx="6133672" cy="2753475"/>
+          </a:xfrm>
+          <a:prstGeom prst="rect">
+            <a:avLst/>
+          </a:prstGeom>
+          <a:ln>
+            <a:noFill/>
+          </a:ln>
+          <a:extLst>
+            <a:ext uri="{53640926-AAD7-44D8-BBD7-CCE9431645EC}">
+              <a14:shadowObscured xmlns:a14="http://schemas.microsoft.com/office/drawing/2010/main"/>
+            </a:ext>
+          </a:extLst>
+        </p:spPr>
+      </p:pic>
+    </p:spTree>
+    <p:extLst>
+      <p:ext uri="{BB962C8B-B14F-4D97-AF65-F5344CB8AC3E}">
+        <p14:creationId xmlns:p14="http://schemas.microsoft.com/office/powerpoint/2010/main" val="3332079258"/>
+      </p:ext>
+    </p:extLst>
+  </p:cSld>
+  <p:clrMapOvr>
+    <a:masterClrMapping/>
+  </p:clrMapOvr>
+</p:sld>
+</file>
+
+<file path=ppt/slides/slide6.xml><?xml version="1.0" encoding="utf-8"?>
+<p:sld xmlns:a="http://schemas.openxmlformats.org/drawingml/2006/main" xmlns:r="http://schemas.openxmlformats.org/officeDocument/2006/relationships" xmlns:p="http://schemas.openxmlformats.org/presentationml/2006/main">
+  <p:cSld>
+    <p:spTree>
+      <p:nvGrpSpPr>
+        <p:cNvPr id="1" name=""/>
+        <p:cNvGrpSpPr/>
+        <p:nvPr/>
+      </p:nvGrpSpPr>
+      <p:grpSpPr>
+        <a:xfrm>
+          <a:off x="0" y="0"/>
+          <a:ext cx="0" cy="0"/>
+          <a:chOff x="0" y="0"/>
+          <a:chExt cx="0" cy="0"/>
+        </a:xfrm>
+      </p:grpSpPr>
+      <p:pic>
+        <p:nvPicPr>
+          <p:cNvPr id="2" name="Picture 1"/>
+          <p:cNvPicPr/>
+          <p:nvPr/>
+        </p:nvPicPr>
+        <p:blipFill rotWithShape="1">
+          <a:blip r:embed="rId2"/>
           <a:srcRect l="18589" t="19563" r="16987" b="24597"/>
           <a:stretch/>
         </p:blipFill>
@@ -6107,7 +6195,7 @@
 </p:sld>
 </file>
 
-<file path=ppt/slides/slide6.xml><?xml version="1.0" encoding="utf-8"?>
+<file path=ppt/slides/slide7.xml><?xml version="1.0" encoding="utf-8"?>
 <p:sld xmlns:a="http://schemas.openxmlformats.org/drawingml/2006/main" xmlns:r="http://schemas.openxmlformats.org/officeDocument/2006/relationships" xmlns:p="http://schemas.openxmlformats.org/presentationml/2006/main">
   <p:cSld>
     <p:spTree>
